--- a/CalendarioAgo2022/presentaciones/9_Archivos.pptx
+++ b/CalendarioAgo2022/presentaciones/9_Archivos.pptx
@@ -10909,7 +10909,7 @@
         <p:spPr bwMode="auto">
           <a:xfrm>
             <a:off x="1547664" y="1484784"/>
-            <a:ext cx="6408712" cy="3629905"/>
+            <a:ext cx="6408712" cy="3181065"/>
           </a:xfrm>
           <a:prstGeom prst="rect">
             <a:avLst/>
@@ -11037,39 +11037,6 @@
                 <a:cs typeface="Arial" pitchFamily="34" charset="0"/>
               </a:rPr>
               <a:t>    Abrir el archivo de texto en modo de lectura</a:t>
-            </a:r>
-          </a:p>
-          <a:p>
-            <a:pPr>
-              <a:lnSpc>
-                <a:spcPts val="3500"/>
-              </a:lnSpc>
-            </a:pPr>
-            <a:r>
-              <a:rPr lang="es-ES" sz="2000" dirty="0">
-                <a:solidFill>
-                  <a:schemeClr val="tx1">
-                    <a:lumMod val="95000"/>
-                    <a:lumOff val="5000"/>
-                  </a:schemeClr>
-                </a:solidFill>
-                <a:latin typeface="Arial" pitchFamily="34" charset="0"/>
-                <a:cs typeface="Arial" pitchFamily="34" charset="0"/>
-              </a:rPr>
-              <a:t>    </a:t>
-            </a:r>
-            <a:r>
-              <a:rPr lang="es-ES" sz="2000" b="1" dirty="0">
-                <a:solidFill>
-                  <a:schemeClr val="tx1">
-                    <a:lumMod val="95000"/>
-                    <a:lumOff val="5000"/>
-                  </a:schemeClr>
-                </a:solidFill>
-                <a:latin typeface="Arial" pitchFamily="34" charset="0"/>
-                <a:cs typeface="Arial" pitchFamily="34" charset="0"/>
-              </a:rPr>
-              <a:t>continua = Verdadero</a:t>
             </a:r>
           </a:p>
           <a:p>
@@ -14970,7 +14937,7 @@
                 <a:latin typeface="Arial" panose="020B0604020202020204" pitchFamily="34" charset="0"/>
                 <a:cs typeface="Arial" panose="020B0604020202020204" pitchFamily="34" charset="0"/>
               </a:rPr>
-              <a:t>+")</a:t>
+              <a:t>")</a:t>
             </a:r>
           </a:p>
           <a:p>
